--- a/documentation/Implementierung/Praesentation_Implementierung.pptx
+++ b/documentation/Implementierung/Praesentation_Implementierung.pptx
@@ -204,6 +204,7 @@
           <a:p>
             <a:fld id="{0D210C52-C185-4DF4-8248-4EF45E9EC966}" type="datetimeFigureOut">
               <a:rPr lang="de-DE" smtClean="0"/>
+              <a:pPr/>
               <a:t>13.08.2018</a:t>
             </a:fld>
             <a:endParaRPr lang="de-DE"/>
@@ -365,6 +366,7 @@
           <a:p>
             <a:fld id="{5CA283F8-424D-4A95-9593-1ADA8596C12A}" type="slidenum">
               <a:rPr lang="de-DE" smtClean="0"/>
+              <a:pPr/>
               <a:t>‹Nr.›</a:t>
             </a:fld>
             <a:endParaRPr lang="de-DE"/>
@@ -531,8 +533,13 @@
           <a:p>
             <a:r>
               <a:rPr lang="de-DE" dirty="0" smtClean="0"/>
-              <a:t>(vorlesen)</a:t>
-            </a:r>
+              <a:t>(</a:t>
+            </a:r>
+            <a:r>
+              <a:rPr lang="de-DE" dirty="0" smtClean="0"/>
+              <a:t>vorlesen und grob erklären)</a:t>
+            </a:r>
+            <a:endParaRPr lang="de-DE" dirty="0" smtClean="0"/>
           </a:p>
           <a:p>
             <a:endParaRPr lang="de-DE" dirty="0" smtClean="0"/>
@@ -552,7 +559,11 @@
             </a:r>
             <a:r>
               <a:rPr lang="de-DE" baseline="0" dirty="0" smtClean="0"/>
-              <a:t> vor, und erklären hier schon was unsere Probleme waren</a:t>
+              <a:t> vor, </a:t>
+            </a:r>
+            <a:r>
+              <a:rPr lang="de-DE" strike="sngStrike" baseline="0" dirty="0" smtClean="0"/>
+              <a:t>und erklären hier schon was unsere Probleme waren</a:t>
             </a:r>
           </a:p>
           <a:p>
@@ -583,7 +594,868 @@
           <a:p>
             <a:fld id="{5CA283F8-424D-4A95-9593-1ADA8596C12A}" type="slidenum">
               <a:rPr lang="de-DE" smtClean="0"/>
+              <a:pPr/>
               <a:t>2</a:t>
+            </a:fld>
+            <a:endParaRPr lang="de-DE"/>
+          </a:p>
+        </p:txBody>
+      </p:sp>
+    </p:spTree>
+  </p:cSld>
+  <p:clrMapOvr>
+    <a:masterClrMapping/>
+  </p:clrMapOvr>
+</p:notes>
+</file>
+
+<file path=ppt/notesSlides/notesSlide2.xml><?xml version="1.0" encoding="utf-8"?>
+<p:notes xmlns:a="http://schemas.openxmlformats.org/drawingml/2006/main" xmlns:r="http://schemas.openxmlformats.org/officeDocument/2006/relationships" xmlns:p="http://schemas.openxmlformats.org/presentationml/2006/main">
+  <p:cSld>
+    <p:spTree>
+      <p:nvGrpSpPr>
+        <p:cNvPr id="1" name=""/>
+        <p:cNvGrpSpPr/>
+        <p:nvPr/>
+      </p:nvGrpSpPr>
+      <p:grpSpPr>
+        <a:xfrm>
+          <a:off x="0" y="0"/>
+          <a:ext cx="0" cy="0"/>
+          <a:chOff x="0" y="0"/>
+          <a:chExt cx="0" cy="0"/>
+        </a:xfrm>
+      </p:grpSpPr>
+      <p:sp>
+        <p:nvSpPr>
+          <p:cNvPr id="2" name="Folienbildplatzhalter 1"/>
+          <p:cNvSpPr>
+            <a:spLocks noGrp="1" noRot="1" noChangeAspect="1"/>
+          </p:cNvSpPr>
+          <p:nvPr>
+            <p:ph type="sldImg"/>
+          </p:nvPr>
+        </p:nvSpPr>
+        <p:spPr/>
+      </p:sp>
+      <p:sp>
+        <p:nvSpPr>
+          <p:cNvPr id="3" name="Notizenplatzhalter 2"/>
+          <p:cNvSpPr>
+            <a:spLocks noGrp="1"/>
+          </p:cNvSpPr>
+          <p:nvPr>
+            <p:ph type="body" idx="1"/>
+          </p:nvPr>
+        </p:nvSpPr>
+        <p:spPr/>
+        <p:txBody>
+          <a:bodyPr>
+            <a:normAutofit/>
+          </a:bodyPr>
+          <a:lstStyle/>
+          <a:p>
+            <a:r>
+              <a:rPr lang="de-DE" dirty="0" smtClean="0"/>
+              <a:t>So</a:t>
+            </a:r>
+            <a:r>
+              <a:rPr lang="de-DE" baseline="0" dirty="0" smtClean="0"/>
+              <a:t> beginnt unsere </a:t>
+            </a:r>
+            <a:r>
+              <a:rPr lang="de-DE" baseline="0" dirty="0" err="1" smtClean="0"/>
+              <a:t>App</a:t>
+            </a:r>
+            <a:r>
+              <a:rPr lang="de-DE" baseline="0" dirty="0" smtClean="0"/>
+              <a:t>; wir haben unser Design beibehalten können und man sieht das Sofort an den Start Bildschirm</a:t>
+            </a:r>
+            <a:endParaRPr lang="de-DE" dirty="0"/>
+          </a:p>
+        </p:txBody>
+      </p:sp>
+      <p:sp>
+        <p:nvSpPr>
+          <p:cNvPr id="4" name="Foliennummernplatzhalter 3"/>
+          <p:cNvSpPr>
+            <a:spLocks noGrp="1"/>
+          </p:cNvSpPr>
+          <p:nvPr>
+            <p:ph type="sldNum" sz="quarter" idx="10"/>
+          </p:nvPr>
+        </p:nvSpPr>
+        <p:spPr/>
+        <p:txBody>
+          <a:bodyPr/>
+          <a:lstStyle/>
+          <a:p>
+            <a:fld id="{5CA283F8-424D-4A95-9593-1ADA8596C12A}" type="slidenum">
+              <a:rPr lang="de-DE" smtClean="0"/>
+              <a:pPr/>
+              <a:t>3</a:t>
+            </a:fld>
+            <a:endParaRPr lang="de-DE"/>
+          </a:p>
+        </p:txBody>
+      </p:sp>
+    </p:spTree>
+  </p:cSld>
+  <p:clrMapOvr>
+    <a:masterClrMapping/>
+  </p:clrMapOvr>
+</p:notes>
+</file>
+
+<file path=ppt/notesSlides/notesSlide3.xml><?xml version="1.0" encoding="utf-8"?>
+<p:notes xmlns:a="http://schemas.openxmlformats.org/drawingml/2006/main" xmlns:r="http://schemas.openxmlformats.org/officeDocument/2006/relationships" xmlns:p="http://schemas.openxmlformats.org/presentationml/2006/main">
+  <p:cSld>
+    <p:spTree>
+      <p:nvGrpSpPr>
+        <p:cNvPr id="1" name=""/>
+        <p:cNvGrpSpPr/>
+        <p:nvPr/>
+      </p:nvGrpSpPr>
+      <p:grpSpPr>
+        <a:xfrm>
+          <a:off x="0" y="0"/>
+          <a:ext cx="0" cy="0"/>
+          <a:chOff x="0" y="0"/>
+          <a:chExt cx="0" cy="0"/>
+        </a:xfrm>
+      </p:grpSpPr>
+      <p:sp>
+        <p:nvSpPr>
+          <p:cNvPr id="2" name="Folienbildplatzhalter 1"/>
+          <p:cNvSpPr>
+            <a:spLocks noGrp="1" noRot="1" noChangeAspect="1"/>
+          </p:cNvSpPr>
+          <p:nvPr>
+            <p:ph type="sldImg"/>
+          </p:nvPr>
+        </p:nvSpPr>
+        <p:spPr/>
+      </p:sp>
+      <p:sp>
+        <p:nvSpPr>
+          <p:cNvPr id="3" name="Notizenplatzhalter 2"/>
+          <p:cNvSpPr>
+            <a:spLocks noGrp="1"/>
+          </p:cNvSpPr>
+          <p:nvPr>
+            <p:ph type="body" idx="1"/>
+          </p:nvPr>
+        </p:nvSpPr>
+        <p:spPr/>
+        <p:txBody>
+          <a:bodyPr>
+            <a:normAutofit/>
+          </a:bodyPr>
+          <a:lstStyle/>
+          <a:p>
+            <a:r>
+              <a:rPr lang="de-DE" dirty="0" smtClean="0"/>
+              <a:t>Wir haben unsere</a:t>
+            </a:r>
+            <a:r>
+              <a:rPr lang="de-DE" baseline="0" dirty="0" smtClean="0"/>
+              <a:t> Änderung vom Pflichtenheft durchsetzen können – das Accesscode wird generiert wenn zu WG jemand hinzugefügt sein soll.</a:t>
+            </a:r>
+            <a:endParaRPr lang="de-DE" dirty="0"/>
+          </a:p>
+        </p:txBody>
+      </p:sp>
+      <p:sp>
+        <p:nvSpPr>
+          <p:cNvPr id="4" name="Foliennummernplatzhalter 3"/>
+          <p:cNvSpPr>
+            <a:spLocks noGrp="1"/>
+          </p:cNvSpPr>
+          <p:nvPr>
+            <p:ph type="sldNum" sz="quarter" idx="10"/>
+          </p:nvPr>
+        </p:nvSpPr>
+        <p:spPr/>
+        <p:txBody>
+          <a:bodyPr/>
+          <a:lstStyle/>
+          <a:p>
+            <a:fld id="{5CA283F8-424D-4A95-9593-1ADA8596C12A}" type="slidenum">
+              <a:rPr lang="de-DE" smtClean="0"/>
+              <a:pPr/>
+              <a:t>4</a:t>
+            </a:fld>
+            <a:endParaRPr lang="de-DE"/>
+          </a:p>
+        </p:txBody>
+      </p:sp>
+    </p:spTree>
+  </p:cSld>
+  <p:clrMapOvr>
+    <a:masterClrMapping/>
+  </p:clrMapOvr>
+</p:notes>
+</file>
+
+<file path=ppt/notesSlides/notesSlide4.xml><?xml version="1.0" encoding="utf-8"?>
+<p:notes xmlns:a="http://schemas.openxmlformats.org/drawingml/2006/main" xmlns:r="http://schemas.openxmlformats.org/officeDocument/2006/relationships" xmlns:p="http://schemas.openxmlformats.org/presentationml/2006/main">
+  <p:cSld>
+    <p:spTree>
+      <p:nvGrpSpPr>
+        <p:cNvPr id="1" name=""/>
+        <p:cNvGrpSpPr/>
+        <p:nvPr/>
+      </p:nvGrpSpPr>
+      <p:grpSpPr>
+        <a:xfrm>
+          <a:off x="0" y="0"/>
+          <a:ext cx="0" cy="0"/>
+          <a:chOff x="0" y="0"/>
+          <a:chExt cx="0" cy="0"/>
+        </a:xfrm>
+      </p:grpSpPr>
+      <p:sp>
+        <p:nvSpPr>
+          <p:cNvPr id="2" name="Folienbildplatzhalter 1"/>
+          <p:cNvSpPr>
+            <a:spLocks noGrp="1" noRot="1" noChangeAspect="1"/>
+          </p:cNvSpPr>
+          <p:nvPr>
+            <p:ph type="sldImg"/>
+          </p:nvPr>
+        </p:nvSpPr>
+        <p:spPr/>
+      </p:sp>
+      <p:sp>
+        <p:nvSpPr>
+          <p:cNvPr id="3" name="Notizenplatzhalter 2"/>
+          <p:cNvSpPr>
+            <a:spLocks noGrp="1"/>
+          </p:cNvSpPr>
+          <p:nvPr>
+            <p:ph type="body" idx="1"/>
+          </p:nvPr>
+        </p:nvSpPr>
+        <p:spPr/>
+        <p:txBody>
+          <a:bodyPr>
+            <a:normAutofit/>
+          </a:bodyPr>
+          <a:lstStyle/>
+          <a:p>
+            <a:r>
+              <a:rPr lang="de-DE" dirty="0" smtClean="0"/>
+              <a:t>Bei</a:t>
+            </a:r>
+            <a:r>
+              <a:rPr lang="de-DE" baseline="0" dirty="0" smtClean="0"/>
+              <a:t> unser Home View kann man sehen dass einige Wunschkriterien fehlen wie </a:t>
+            </a:r>
+            <a:r>
+              <a:rPr lang="de-DE" baseline="0" dirty="0" err="1" smtClean="0"/>
+              <a:t>zB</a:t>
+            </a:r>
+            <a:r>
+              <a:rPr lang="de-DE" baseline="0" dirty="0" smtClean="0"/>
+              <a:t> Image Note und </a:t>
+            </a:r>
+            <a:r>
+              <a:rPr lang="de-DE" baseline="0" dirty="0" err="1" smtClean="0"/>
+              <a:t>Tutorial</a:t>
+            </a:r>
+            <a:r>
+              <a:rPr lang="de-DE" baseline="0" dirty="0" smtClean="0"/>
+              <a:t> </a:t>
+            </a:r>
+            <a:r>
+              <a:rPr lang="de-DE" baseline="0" dirty="0" err="1" smtClean="0"/>
+              <a:t>Overlay</a:t>
+            </a:r>
+            <a:r>
+              <a:rPr lang="de-DE" baseline="0" dirty="0" smtClean="0"/>
+              <a:t> </a:t>
+            </a:r>
+          </a:p>
+          <a:p>
+            <a:r>
+              <a:rPr lang="de-DE" baseline="0" dirty="0" smtClean="0"/>
+              <a:t>Wir haben anstatt </a:t>
+            </a:r>
+            <a:r>
+              <a:rPr lang="de-DE" baseline="0" dirty="0" err="1" smtClean="0"/>
+              <a:t>hinunterswipen</a:t>
+            </a:r>
+            <a:r>
+              <a:rPr lang="de-DE" baseline="0" dirty="0" smtClean="0"/>
+              <a:t> zum </a:t>
+            </a:r>
+            <a:r>
+              <a:rPr lang="de-DE" baseline="0" dirty="0" err="1" smtClean="0"/>
+              <a:t>Refreshen</a:t>
+            </a:r>
+            <a:r>
+              <a:rPr lang="de-DE" baseline="0" dirty="0" smtClean="0"/>
+              <a:t> ein Button implementiert rechts oben.</a:t>
+            </a:r>
+          </a:p>
+        </p:txBody>
+      </p:sp>
+      <p:sp>
+        <p:nvSpPr>
+          <p:cNvPr id="4" name="Foliennummernplatzhalter 3"/>
+          <p:cNvSpPr>
+            <a:spLocks noGrp="1"/>
+          </p:cNvSpPr>
+          <p:nvPr>
+            <p:ph type="sldNum" sz="quarter" idx="10"/>
+          </p:nvPr>
+        </p:nvSpPr>
+        <p:spPr/>
+        <p:txBody>
+          <a:bodyPr/>
+          <a:lstStyle/>
+          <a:p>
+            <a:fld id="{5CA283F8-424D-4A95-9593-1ADA8596C12A}" type="slidenum">
+              <a:rPr lang="de-DE" smtClean="0"/>
+              <a:pPr/>
+              <a:t>5</a:t>
+            </a:fld>
+            <a:endParaRPr lang="de-DE"/>
+          </a:p>
+        </p:txBody>
+      </p:sp>
+    </p:spTree>
+  </p:cSld>
+  <p:clrMapOvr>
+    <a:masterClrMapping/>
+  </p:clrMapOvr>
+</p:notes>
+</file>
+
+<file path=ppt/notesSlides/notesSlide5.xml><?xml version="1.0" encoding="utf-8"?>
+<p:notes xmlns:a="http://schemas.openxmlformats.org/drawingml/2006/main" xmlns:r="http://schemas.openxmlformats.org/officeDocument/2006/relationships" xmlns:p="http://schemas.openxmlformats.org/presentationml/2006/main">
+  <p:cSld>
+    <p:spTree>
+      <p:nvGrpSpPr>
+        <p:cNvPr id="1" name=""/>
+        <p:cNvGrpSpPr/>
+        <p:nvPr/>
+      </p:nvGrpSpPr>
+      <p:grpSpPr>
+        <a:xfrm>
+          <a:off x="0" y="0"/>
+          <a:ext cx="0" cy="0"/>
+          <a:chOff x="0" y="0"/>
+          <a:chExt cx="0" cy="0"/>
+        </a:xfrm>
+      </p:grpSpPr>
+      <p:sp>
+        <p:nvSpPr>
+          <p:cNvPr id="2" name="Folienbildplatzhalter 1"/>
+          <p:cNvSpPr>
+            <a:spLocks noGrp="1" noRot="1" noChangeAspect="1"/>
+          </p:cNvSpPr>
+          <p:nvPr>
+            <p:ph type="sldImg"/>
+          </p:nvPr>
+        </p:nvSpPr>
+        <p:spPr/>
+      </p:sp>
+      <p:sp>
+        <p:nvSpPr>
+          <p:cNvPr id="3" name="Notizenplatzhalter 2"/>
+          <p:cNvSpPr>
+            <a:spLocks noGrp="1"/>
+          </p:cNvSpPr>
+          <p:nvPr>
+            <p:ph type="body" idx="1"/>
+          </p:nvPr>
+        </p:nvSpPr>
+        <p:spPr/>
+        <p:txBody>
+          <a:bodyPr>
+            <a:normAutofit/>
+          </a:bodyPr>
+          <a:lstStyle/>
+          <a:p>
+            <a:r>
+              <a:rPr lang="de-DE" dirty="0" smtClean="0"/>
+              <a:t>Beim Cool Note Erstellen könne</a:t>
+            </a:r>
+            <a:r>
+              <a:rPr lang="de-DE" baseline="0" dirty="0" smtClean="0"/>
+              <a:t>n wir auch sehen dass uns das WK Wichtigkeit der Notiz noch fehlt.</a:t>
+            </a:r>
+            <a:endParaRPr lang="de-DE" dirty="0"/>
+          </a:p>
+        </p:txBody>
+      </p:sp>
+      <p:sp>
+        <p:nvSpPr>
+          <p:cNvPr id="4" name="Foliennummernplatzhalter 3"/>
+          <p:cNvSpPr>
+            <a:spLocks noGrp="1"/>
+          </p:cNvSpPr>
+          <p:nvPr>
+            <p:ph type="sldNum" sz="quarter" idx="10"/>
+          </p:nvPr>
+        </p:nvSpPr>
+        <p:spPr/>
+        <p:txBody>
+          <a:bodyPr/>
+          <a:lstStyle/>
+          <a:p>
+            <a:fld id="{5CA283F8-424D-4A95-9593-1ADA8596C12A}" type="slidenum">
+              <a:rPr lang="de-DE" smtClean="0"/>
+              <a:pPr/>
+              <a:t>6</a:t>
+            </a:fld>
+            <a:endParaRPr lang="de-DE"/>
+          </a:p>
+        </p:txBody>
+      </p:sp>
+    </p:spTree>
+  </p:cSld>
+  <p:clrMapOvr>
+    <a:masterClrMapping/>
+  </p:clrMapOvr>
+</p:notes>
+</file>
+
+<file path=ppt/notesSlides/notesSlide6.xml><?xml version="1.0" encoding="utf-8"?>
+<p:notes xmlns:a="http://schemas.openxmlformats.org/drawingml/2006/main" xmlns:r="http://schemas.openxmlformats.org/officeDocument/2006/relationships" xmlns:p="http://schemas.openxmlformats.org/presentationml/2006/main">
+  <p:cSld>
+    <p:spTree>
+      <p:nvGrpSpPr>
+        <p:cNvPr id="1" name=""/>
+        <p:cNvGrpSpPr/>
+        <p:nvPr/>
+      </p:nvGrpSpPr>
+      <p:grpSpPr>
+        <a:xfrm>
+          <a:off x="0" y="0"/>
+          <a:ext cx="0" cy="0"/>
+          <a:chOff x="0" y="0"/>
+          <a:chExt cx="0" cy="0"/>
+        </a:xfrm>
+      </p:grpSpPr>
+      <p:sp>
+        <p:nvSpPr>
+          <p:cNvPr id="2" name="Folienbildplatzhalter 1"/>
+          <p:cNvSpPr>
+            <a:spLocks noGrp="1" noRot="1" noChangeAspect="1"/>
+          </p:cNvSpPr>
+          <p:nvPr>
+            <p:ph type="sldImg"/>
+          </p:nvPr>
+        </p:nvSpPr>
+        <p:spPr/>
+      </p:sp>
+      <p:sp>
+        <p:nvSpPr>
+          <p:cNvPr id="3" name="Notizenplatzhalter 2"/>
+          <p:cNvSpPr>
+            <a:spLocks noGrp="1"/>
+          </p:cNvSpPr>
+          <p:nvPr>
+            <p:ph type="body" idx="1"/>
+          </p:nvPr>
+        </p:nvSpPr>
+        <p:spPr/>
+        <p:txBody>
+          <a:bodyPr>
+            <a:normAutofit/>
+          </a:bodyPr>
+          <a:lstStyle/>
+          <a:p>
+            <a:r>
+              <a:rPr lang="de-DE" dirty="0" smtClean="0"/>
+              <a:t>Und bei Großansicht sind</a:t>
+            </a:r>
+            <a:r>
+              <a:rPr lang="de-DE" baseline="0" dirty="0" smtClean="0"/>
+              <a:t> noch Kommentare abwesend, und das Checkbox das wir weggelassen haben.</a:t>
+            </a:r>
+          </a:p>
+        </p:txBody>
+      </p:sp>
+      <p:sp>
+        <p:nvSpPr>
+          <p:cNvPr id="4" name="Foliennummernplatzhalter 3"/>
+          <p:cNvSpPr>
+            <a:spLocks noGrp="1"/>
+          </p:cNvSpPr>
+          <p:nvPr>
+            <p:ph type="sldNum" sz="quarter" idx="10"/>
+          </p:nvPr>
+        </p:nvSpPr>
+        <p:spPr/>
+        <p:txBody>
+          <a:bodyPr/>
+          <a:lstStyle/>
+          <a:p>
+            <a:fld id="{5CA283F8-424D-4A95-9593-1ADA8596C12A}" type="slidenum">
+              <a:rPr lang="de-DE" smtClean="0"/>
+              <a:pPr/>
+              <a:t>7</a:t>
+            </a:fld>
+            <a:endParaRPr lang="de-DE"/>
+          </a:p>
+        </p:txBody>
+      </p:sp>
+    </p:spTree>
+  </p:cSld>
+  <p:clrMapOvr>
+    <a:masterClrMapping/>
+  </p:clrMapOvr>
+</p:notes>
+</file>
+
+<file path=ppt/notesSlides/notesSlide7.xml><?xml version="1.0" encoding="utf-8"?>
+<p:notes xmlns:a="http://schemas.openxmlformats.org/drawingml/2006/main" xmlns:r="http://schemas.openxmlformats.org/officeDocument/2006/relationships" xmlns:p="http://schemas.openxmlformats.org/presentationml/2006/main">
+  <p:cSld>
+    <p:spTree>
+      <p:nvGrpSpPr>
+        <p:cNvPr id="1" name=""/>
+        <p:cNvGrpSpPr/>
+        <p:nvPr/>
+      </p:nvGrpSpPr>
+      <p:grpSpPr>
+        <a:xfrm>
+          <a:off x="0" y="0"/>
+          <a:ext cx="0" cy="0"/>
+          <a:chOff x="0" y="0"/>
+          <a:chExt cx="0" cy="0"/>
+        </a:xfrm>
+      </p:grpSpPr>
+      <p:sp>
+        <p:nvSpPr>
+          <p:cNvPr id="2" name="Folienbildplatzhalter 1"/>
+          <p:cNvSpPr>
+            <a:spLocks noGrp="1" noRot="1" noChangeAspect="1"/>
+          </p:cNvSpPr>
+          <p:nvPr>
+            <p:ph type="sldImg"/>
+          </p:nvPr>
+        </p:nvSpPr>
+        <p:spPr/>
+      </p:sp>
+      <p:sp>
+        <p:nvSpPr>
+          <p:cNvPr id="3" name="Notizenplatzhalter 2"/>
+          <p:cNvSpPr>
+            <a:spLocks noGrp="1"/>
+          </p:cNvSpPr>
+          <p:nvPr>
+            <p:ph type="body" idx="1"/>
+          </p:nvPr>
+        </p:nvSpPr>
+        <p:spPr/>
+        <p:txBody>
+          <a:bodyPr>
+            <a:normAutofit/>
+          </a:bodyPr>
+          <a:lstStyle/>
+          <a:p>
+            <a:r>
+              <a:rPr lang="de-DE" dirty="0" smtClean="0"/>
+              <a:t>Für </a:t>
+            </a:r>
+            <a:r>
+              <a:rPr lang="de-DE" dirty="0" err="1" smtClean="0"/>
+              <a:t>Popups</a:t>
+            </a:r>
+            <a:r>
+              <a:rPr lang="de-DE" dirty="0" smtClean="0"/>
+              <a:t> haben wir die</a:t>
+            </a:r>
+            <a:r>
+              <a:rPr lang="de-DE" baseline="0" dirty="0" smtClean="0"/>
+              <a:t> Standard Format benutzt</a:t>
+            </a:r>
+            <a:endParaRPr lang="de-DE" dirty="0"/>
+          </a:p>
+        </p:txBody>
+      </p:sp>
+      <p:sp>
+        <p:nvSpPr>
+          <p:cNvPr id="4" name="Foliennummernplatzhalter 3"/>
+          <p:cNvSpPr>
+            <a:spLocks noGrp="1"/>
+          </p:cNvSpPr>
+          <p:nvPr>
+            <p:ph type="sldNum" sz="quarter" idx="10"/>
+          </p:nvPr>
+        </p:nvSpPr>
+        <p:spPr/>
+        <p:txBody>
+          <a:bodyPr/>
+          <a:lstStyle/>
+          <a:p>
+            <a:fld id="{5CA283F8-424D-4A95-9593-1ADA8596C12A}" type="slidenum">
+              <a:rPr lang="de-DE" smtClean="0"/>
+              <a:pPr/>
+              <a:t>8</a:t>
+            </a:fld>
+            <a:endParaRPr lang="de-DE"/>
+          </a:p>
+        </p:txBody>
+      </p:sp>
+    </p:spTree>
+  </p:cSld>
+  <p:clrMapOvr>
+    <a:masterClrMapping/>
+  </p:clrMapOvr>
+</p:notes>
+</file>
+
+<file path=ppt/notesSlides/notesSlide8.xml><?xml version="1.0" encoding="utf-8"?>
+<p:notes xmlns:a="http://schemas.openxmlformats.org/drawingml/2006/main" xmlns:r="http://schemas.openxmlformats.org/officeDocument/2006/relationships" xmlns:p="http://schemas.openxmlformats.org/presentationml/2006/main">
+  <p:cSld>
+    <p:spTree>
+      <p:nvGrpSpPr>
+        <p:cNvPr id="1" name=""/>
+        <p:cNvGrpSpPr/>
+        <p:nvPr/>
+      </p:nvGrpSpPr>
+      <p:grpSpPr>
+        <a:xfrm>
+          <a:off x="0" y="0"/>
+          <a:ext cx="0" cy="0"/>
+          <a:chOff x="0" y="0"/>
+          <a:chExt cx="0" cy="0"/>
+        </a:xfrm>
+      </p:grpSpPr>
+      <p:sp>
+        <p:nvSpPr>
+          <p:cNvPr id="2" name="Folienbildplatzhalter 1"/>
+          <p:cNvSpPr>
+            <a:spLocks noGrp="1" noRot="1" noChangeAspect="1"/>
+          </p:cNvSpPr>
+          <p:nvPr>
+            <p:ph type="sldImg"/>
+          </p:nvPr>
+        </p:nvSpPr>
+        <p:spPr/>
+      </p:sp>
+      <p:sp>
+        <p:nvSpPr>
+          <p:cNvPr id="3" name="Notizenplatzhalter 2"/>
+          <p:cNvSpPr>
+            <a:spLocks noGrp="1"/>
+          </p:cNvSpPr>
+          <p:nvPr>
+            <p:ph type="body" idx="1"/>
+          </p:nvPr>
+        </p:nvSpPr>
+        <p:spPr/>
+        <p:txBody>
+          <a:bodyPr>
+            <a:normAutofit/>
+          </a:bodyPr>
+          <a:lstStyle/>
+          <a:p>
+            <a:endParaRPr lang="de-DE" dirty="0"/>
+          </a:p>
+        </p:txBody>
+      </p:sp>
+      <p:sp>
+        <p:nvSpPr>
+          <p:cNvPr id="4" name="Foliennummernplatzhalter 3"/>
+          <p:cNvSpPr>
+            <a:spLocks noGrp="1"/>
+          </p:cNvSpPr>
+          <p:nvPr>
+            <p:ph type="sldNum" sz="quarter" idx="10"/>
+          </p:nvPr>
+        </p:nvSpPr>
+        <p:spPr/>
+        <p:txBody>
+          <a:bodyPr/>
+          <a:lstStyle/>
+          <a:p>
+            <a:fld id="{5CA283F8-424D-4A95-9593-1ADA8596C12A}" type="slidenum">
+              <a:rPr lang="de-DE" smtClean="0"/>
+              <a:pPr/>
+              <a:t>11</a:t>
+            </a:fld>
+            <a:endParaRPr lang="de-DE"/>
+          </a:p>
+        </p:txBody>
+      </p:sp>
+    </p:spTree>
+  </p:cSld>
+  <p:clrMapOvr>
+    <a:masterClrMapping/>
+  </p:clrMapOvr>
+</p:notes>
+</file>
+
+<file path=ppt/notesSlides/notesSlide9.xml><?xml version="1.0" encoding="utf-8"?>
+<p:notes xmlns:a="http://schemas.openxmlformats.org/drawingml/2006/main" xmlns:r="http://schemas.openxmlformats.org/officeDocument/2006/relationships" xmlns:p="http://schemas.openxmlformats.org/presentationml/2006/main">
+  <p:cSld>
+    <p:spTree>
+      <p:nvGrpSpPr>
+        <p:cNvPr id="1" name=""/>
+        <p:cNvGrpSpPr/>
+        <p:nvPr/>
+      </p:nvGrpSpPr>
+      <p:grpSpPr>
+        <a:xfrm>
+          <a:off x="0" y="0"/>
+          <a:ext cx="0" cy="0"/>
+          <a:chOff x="0" y="0"/>
+          <a:chExt cx="0" cy="0"/>
+        </a:xfrm>
+      </p:grpSpPr>
+      <p:sp>
+        <p:nvSpPr>
+          <p:cNvPr id="2" name="Folienbildplatzhalter 1"/>
+          <p:cNvSpPr>
+            <a:spLocks noGrp="1" noRot="1" noChangeAspect="1"/>
+          </p:cNvSpPr>
+          <p:nvPr>
+            <p:ph type="sldImg"/>
+          </p:nvPr>
+        </p:nvSpPr>
+        <p:spPr/>
+      </p:sp>
+      <p:sp>
+        <p:nvSpPr>
+          <p:cNvPr id="3" name="Notizenplatzhalter 2"/>
+          <p:cNvSpPr>
+            <a:spLocks noGrp="1"/>
+          </p:cNvSpPr>
+          <p:nvPr>
+            <p:ph type="body" idx="1"/>
+          </p:nvPr>
+        </p:nvSpPr>
+        <p:spPr/>
+        <p:txBody>
+          <a:bodyPr>
+            <a:normAutofit/>
+          </a:bodyPr>
+          <a:lstStyle/>
+          <a:p>
+            <a:r>
+              <a:rPr lang="de-DE" dirty="0" smtClean="0"/>
+              <a:t>Wir haben versucht die Arbeit aufzuteilen dass es nicht zyklisch aneinander</a:t>
+            </a:r>
+            <a:r>
+              <a:rPr lang="de-DE" baseline="0" dirty="0" smtClean="0"/>
+              <a:t> abhängig ist, indem wir nicht nach </a:t>
+            </a:r>
+            <a:r>
+              <a:rPr lang="de-DE" baseline="0" dirty="0" err="1" smtClean="0"/>
+              <a:t>Packages</a:t>
+            </a:r>
+            <a:r>
+              <a:rPr lang="de-DE" baseline="0" dirty="0" smtClean="0"/>
+              <a:t> aber nach Funktionen und zusammenhängende Brocken von der </a:t>
+            </a:r>
+            <a:r>
+              <a:rPr lang="de-DE" baseline="0" dirty="0" err="1" smtClean="0"/>
+              <a:t>App</a:t>
+            </a:r>
+            <a:r>
+              <a:rPr lang="de-DE" baseline="0" dirty="0" smtClean="0"/>
+              <a:t> aufgeteilt haben.</a:t>
+            </a:r>
+          </a:p>
+          <a:p>
+            <a:endParaRPr lang="de-DE" baseline="0" dirty="0" smtClean="0"/>
+          </a:p>
+          <a:p>
+            <a:r>
+              <a:rPr lang="de-DE" baseline="0" dirty="0" smtClean="0"/>
+              <a:t>Die Server Seite wurde von </a:t>
+            </a:r>
+            <a:r>
+              <a:rPr lang="de-DE" baseline="0" dirty="0" err="1" smtClean="0"/>
+              <a:t>Yuka</a:t>
+            </a:r>
+            <a:r>
+              <a:rPr lang="de-DE" baseline="0" dirty="0" smtClean="0"/>
+              <a:t> übernommen, was ein sehr großer Teil der </a:t>
+            </a:r>
+            <a:r>
+              <a:rPr lang="de-DE" baseline="0" smtClean="0"/>
+              <a:t>Arbeit war, </a:t>
+            </a:r>
+            <a:r>
+              <a:rPr lang="de-DE" baseline="0" dirty="0" smtClean="0"/>
+              <a:t>und </a:t>
+            </a:r>
+            <a:r>
+              <a:rPr lang="de-DE" baseline="0" smtClean="0"/>
+              <a:t>sie hat </a:t>
+            </a:r>
+            <a:r>
+              <a:rPr lang="de-DE" baseline="0" dirty="0" smtClean="0"/>
+              <a:t>die meiste Erfahrung mit Programmieren und </a:t>
+            </a:r>
+            <a:r>
+              <a:rPr lang="de-DE" baseline="0" smtClean="0"/>
+              <a:t>hat uns dann vielseitig geholfen.</a:t>
+            </a:r>
+            <a:endParaRPr lang="de-DE" baseline="0" dirty="0" smtClean="0"/>
+          </a:p>
+          <a:p>
+            <a:r>
+              <a:rPr lang="de-DE" baseline="0" dirty="0" smtClean="0"/>
+              <a:t>Trotz ein bisschen weniger Erfahrung unter der Gruppe, wobei wir dann uns einarbeiten müssten mit </a:t>
+            </a:r>
+            <a:r>
+              <a:rPr lang="de-DE" baseline="0" dirty="0" err="1" smtClean="0"/>
+              <a:t>Retrofit</a:t>
+            </a:r>
+            <a:r>
+              <a:rPr lang="de-DE" baseline="0" dirty="0" smtClean="0"/>
+              <a:t>, und Datenbanken, haben wir uns gegenseitig sehr gut unterstützen und helfen können und wir sind auch unter Druck alle freundlich geblieben.</a:t>
+            </a:r>
+          </a:p>
+          <a:p>
+            <a:r>
+              <a:rPr lang="de-DE" baseline="0" dirty="0" smtClean="0"/>
+              <a:t>Bei Diskussionen könnten wir ehrlich und sachlich unsere Meinungen rüberbringen und Probleme diskutieren.</a:t>
+            </a:r>
+          </a:p>
+          <a:p>
+            <a:endParaRPr lang="de-DE" baseline="0" dirty="0" smtClean="0"/>
+          </a:p>
+          <a:p>
+            <a:r>
+              <a:rPr lang="de-DE" baseline="0" dirty="0" smtClean="0"/>
+              <a:t>Wir haben uns nicht sehr oft treffen können und Online Konferenzen hatten die übliche Einschränkungen und Probleme.</a:t>
+            </a:r>
+          </a:p>
+          <a:p>
+            <a:endParaRPr lang="de-DE" baseline="0" dirty="0" smtClean="0"/>
+          </a:p>
+          <a:p>
+            <a:endParaRPr lang="de-DE" dirty="0"/>
+          </a:p>
+        </p:txBody>
+      </p:sp>
+      <p:sp>
+        <p:nvSpPr>
+          <p:cNvPr id="4" name="Foliennummernplatzhalter 3"/>
+          <p:cNvSpPr>
+            <a:spLocks noGrp="1"/>
+          </p:cNvSpPr>
+          <p:nvPr>
+            <p:ph type="sldNum" sz="quarter" idx="10"/>
+          </p:nvPr>
+        </p:nvSpPr>
+        <p:spPr/>
+        <p:txBody>
+          <a:bodyPr/>
+          <a:lstStyle/>
+          <a:p>
+            <a:fld id="{5CA283F8-424D-4A95-9593-1ADA8596C12A}" type="slidenum">
+              <a:rPr lang="de-DE" smtClean="0"/>
+              <a:pPr/>
+              <a:t>12</a:t>
             </a:fld>
             <a:endParaRPr lang="de-DE"/>
           </a:p>
@@ -734,6 +1606,7 @@
           <a:p>
             <a:fld id="{3F9BA9C8-DF8D-4E61-81E6-DE90A7D38320}" type="datetimeFigureOut">
               <a:rPr lang="de-DE" smtClean="0"/>
+              <a:pPr/>
               <a:t>13.08.2018</a:t>
             </a:fld>
             <a:endParaRPr lang="de-DE"/>
@@ -1480,6 +2353,7 @@
           <a:p>
             <a:fld id="{F537E825-D281-43FB-8E3C-79BC7044BE17}" type="slidenum">
               <a:rPr lang="de-DE" smtClean="0"/>
+              <a:pPr/>
               <a:t>‹Nr.›</a:t>
             </a:fld>
             <a:endParaRPr lang="de-DE"/>
@@ -1603,6 +2477,7 @@
           <a:p>
             <a:fld id="{3F9BA9C8-DF8D-4E61-81E6-DE90A7D38320}" type="datetimeFigureOut">
               <a:rPr lang="de-DE" smtClean="0"/>
+              <a:pPr/>
               <a:t>13.08.2018</a:t>
             </a:fld>
             <a:endParaRPr lang="de-DE"/>
@@ -1645,6 +2520,7 @@
           <a:p>
             <a:fld id="{F537E825-D281-43FB-8E3C-79BC7044BE17}" type="slidenum">
               <a:rPr lang="de-DE" smtClean="0"/>
+              <a:pPr/>
               <a:t>‹Nr.›</a:t>
             </a:fld>
             <a:endParaRPr lang="de-DE"/>
@@ -1778,6 +2654,7 @@
           <a:p>
             <a:fld id="{3F9BA9C8-DF8D-4E61-81E6-DE90A7D38320}" type="datetimeFigureOut">
               <a:rPr lang="de-DE" smtClean="0"/>
+              <a:pPr/>
               <a:t>13.08.2018</a:t>
             </a:fld>
             <a:endParaRPr lang="de-DE"/>
@@ -1820,6 +2697,7 @@
           <a:p>
             <a:fld id="{F537E825-D281-43FB-8E3C-79BC7044BE17}" type="slidenum">
               <a:rPr lang="de-DE" smtClean="0"/>
+              <a:pPr/>
               <a:t>‹Nr.›</a:t>
             </a:fld>
             <a:endParaRPr lang="de-DE"/>
@@ -1948,6 +2826,7 @@
           <a:p>
             <a:fld id="{3F9BA9C8-DF8D-4E61-81E6-DE90A7D38320}" type="datetimeFigureOut">
               <a:rPr lang="de-DE" smtClean="0"/>
+              <a:pPr/>
               <a:t>13.08.2018</a:t>
             </a:fld>
             <a:endParaRPr lang="de-DE"/>
@@ -1971,6 +2850,7 @@
           <a:p>
             <a:fld id="{F537E825-D281-43FB-8E3C-79BC7044BE17}" type="slidenum">
               <a:rPr lang="de-DE" smtClean="0"/>
+              <a:pPr/>
               <a:t>‹Nr.›</a:t>
             </a:fld>
             <a:endParaRPr lang="de-DE"/>
@@ -2158,6 +3038,7 @@
           <a:p>
             <a:fld id="{3F9BA9C8-DF8D-4E61-81E6-DE90A7D38320}" type="datetimeFigureOut">
               <a:rPr lang="de-DE" smtClean="0"/>
+              <a:pPr/>
               <a:t>13.08.2018</a:t>
             </a:fld>
             <a:endParaRPr lang="de-DE"/>
@@ -2901,6 +3782,7 @@
           <a:p>
             <a:fld id="{F537E825-D281-43FB-8E3C-79BC7044BE17}" type="slidenum">
               <a:rPr lang="de-DE" smtClean="0"/>
+              <a:pPr/>
               <a:t>‹Nr.›</a:t>
             </a:fld>
             <a:endParaRPr lang="de-DE"/>
@@ -2972,6 +3854,7 @@
           <a:p>
             <a:fld id="{3F9BA9C8-DF8D-4E61-81E6-DE90A7D38320}" type="datetimeFigureOut">
               <a:rPr lang="de-DE" smtClean="0"/>
+              <a:pPr/>
               <a:t>13.08.2018</a:t>
             </a:fld>
             <a:endParaRPr lang="de-DE"/>
@@ -3014,6 +3897,7 @@
           <a:p>
             <a:fld id="{F537E825-D281-43FB-8E3C-79BC7044BE17}" type="slidenum">
               <a:rPr lang="de-DE" smtClean="0"/>
+              <a:pPr/>
               <a:t>‹Nr.›</a:t>
             </a:fld>
             <a:endParaRPr lang="de-DE"/>
@@ -3208,6 +4092,7 @@
           <a:p>
             <a:fld id="{3F9BA9C8-DF8D-4E61-81E6-DE90A7D38320}" type="datetimeFigureOut">
               <a:rPr lang="de-DE" smtClean="0"/>
+              <a:pPr/>
               <a:t>13.08.2018</a:t>
             </a:fld>
             <a:endParaRPr lang="de-DE"/>
@@ -3250,6 +4135,7 @@
           <a:p>
             <a:fld id="{F537E825-D281-43FB-8E3C-79BC7044BE17}" type="slidenum">
               <a:rPr lang="de-DE" smtClean="0"/>
+              <a:pPr/>
               <a:t>‹Nr.›</a:t>
             </a:fld>
             <a:endParaRPr lang="de-DE"/>
@@ -3531,6 +4417,7 @@
           <a:p>
             <a:fld id="{3F9BA9C8-DF8D-4E61-81E6-DE90A7D38320}" type="datetimeFigureOut">
               <a:rPr lang="de-DE" smtClean="0"/>
+              <a:pPr/>
               <a:t>13.08.2018</a:t>
             </a:fld>
             <a:endParaRPr lang="de-DE"/>
@@ -3554,6 +4441,7 @@
           <a:p>
             <a:fld id="{F537E825-D281-43FB-8E3C-79BC7044BE17}" type="slidenum">
               <a:rPr lang="de-DE" smtClean="0"/>
+              <a:pPr/>
               <a:t>‹Nr.›</a:t>
             </a:fld>
             <a:endParaRPr lang="de-DE"/>
@@ -3621,6 +4509,7 @@
           <a:p>
             <a:fld id="{3F9BA9C8-DF8D-4E61-81E6-DE90A7D38320}" type="datetimeFigureOut">
               <a:rPr lang="de-DE" smtClean="0"/>
+              <a:pPr/>
               <a:t>13.08.2018</a:t>
             </a:fld>
             <a:endParaRPr lang="de-DE"/>
@@ -3663,6 +4552,7 @@
           <a:p>
             <a:fld id="{F537E825-D281-43FB-8E3C-79BC7044BE17}" type="slidenum">
               <a:rPr lang="de-DE" smtClean="0"/>
+              <a:pPr/>
               <a:t>‹Nr.›</a:t>
             </a:fld>
             <a:endParaRPr lang="de-DE"/>
@@ -4138,6 +5028,7 @@
           <a:p>
             <a:fld id="{3F9BA9C8-DF8D-4E61-81E6-DE90A7D38320}" type="datetimeFigureOut">
               <a:rPr lang="de-DE" smtClean="0"/>
+              <a:pPr/>
               <a:t>13.08.2018</a:t>
             </a:fld>
             <a:endParaRPr lang="de-DE"/>
@@ -4161,6 +5052,7 @@
           <a:p>
             <a:fld id="{F537E825-D281-43FB-8E3C-79BC7044BE17}" type="slidenum">
               <a:rPr lang="de-DE" smtClean="0"/>
+              <a:pPr/>
               <a:t>‹Nr.›</a:t>
             </a:fld>
             <a:endParaRPr lang="de-DE"/>
@@ -4649,6 +5541,7 @@
           <a:p>
             <a:fld id="{3F9BA9C8-DF8D-4E61-81E6-DE90A7D38320}" type="datetimeFigureOut">
               <a:rPr lang="de-DE" smtClean="0"/>
+              <a:pPr/>
               <a:t>13.08.2018</a:t>
             </a:fld>
             <a:endParaRPr lang="de-DE"/>
@@ -4672,6 +5565,7 @@
           <a:p>
             <a:fld id="{F537E825-D281-43FB-8E3C-79BC7044BE17}" type="slidenum">
               <a:rPr lang="de-DE" smtClean="0"/>
+              <a:pPr/>
               <a:t>‹Nr.›</a:t>
             </a:fld>
             <a:endParaRPr lang="de-DE"/>
@@ -4894,6 +5788,7 @@
           <a:p>
             <a:fld id="{3F9BA9C8-DF8D-4E61-81E6-DE90A7D38320}" type="datetimeFigureOut">
               <a:rPr lang="de-DE" smtClean="0"/>
+              <a:pPr/>
               <a:t>13.08.2018</a:t>
             </a:fld>
             <a:endParaRPr lang="de-DE"/>
@@ -5170,6 +6065,7 @@
           <a:p>
             <a:fld id="{F537E825-D281-43FB-8E3C-79BC7044BE17}" type="slidenum">
               <a:rPr lang="de-DE" smtClean="0"/>
+              <a:pPr/>
               <a:t>‹Nr.›</a:t>
             </a:fld>
             <a:endParaRPr lang="de-DE"/>
@@ -5828,7 +6724,7 @@
           <p:nvPr/>
         </p:nvPicPr>
         <p:blipFill>
-          <a:blip r:embed="rId2" cstate="print"/>
+          <a:blip r:embed="rId3" cstate="print"/>
           <a:stretch>
             <a:fillRect/>
           </a:stretch>
@@ -5852,7 +6748,7 @@
           <p:nvPr/>
         </p:nvPicPr>
         <p:blipFill>
-          <a:blip r:embed="rId3"/>
+          <a:blip r:embed="rId4"/>
           <a:stretch>
             <a:fillRect/>
           </a:stretch>
@@ -6086,7 +6982,7 @@
           <p:nvPr/>
         </p:nvPicPr>
         <p:blipFill>
-          <a:blip r:embed="rId2"/>
+          <a:blip r:embed="rId3"/>
           <a:stretch>
             <a:fillRect/>
           </a:stretch>
@@ -6110,7 +7006,7 @@
           <p:nvPr/>
         </p:nvPicPr>
         <p:blipFill>
-          <a:blip r:embed="rId3"/>
+          <a:blip r:embed="rId4"/>
           <a:stretch>
             <a:fillRect/>
           </a:stretch>
@@ -6907,7 +7803,7 @@
           <p:nvPr/>
         </p:nvPicPr>
         <p:blipFill>
-          <a:blip r:embed="rId2"/>
+          <a:blip r:embed="rId3"/>
           <a:stretch>
             <a:fillRect/>
           </a:stretch>
@@ -6931,7 +7827,7 @@
           <p:nvPr/>
         </p:nvPicPr>
         <p:blipFill>
-          <a:blip r:embed="rId3" cstate="print"/>
+          <a:blip r:embed="rId4" cstate="print"/>
           <a:stretch>
             <a:fillRect/>
           </a:stretch>
@@ -7016,7 +7912,7 @@
           <p:nvPr/>
         </p:nvPicPr>
         <p:blipFill>
-          <a:blip r:embed="rId2" cstate="print"/>
+          <a:blip r:embed="rId3" cstate="print"/>
           <a:stretch>
             <a:fillRect/>
           </a:stretch>
@@ -7040,7 +7936,7 @@
           <p:nvPr/>
         </p:nvPicPr>
         <p:blipFill>
-          <a:blip r:embed="rId3"/>
+          <a:blip r:embed="rId4"/>
           <a:stretch>
             <a:fillRect/>
           </a:stretch>
@@ -7125,7 +8021,7 @@
           <p:nvPr/>
         </p:nvPicPr>
         <p:blipFill>
-          <a:blip r:embed="rId2" cstate="print"/>
+          <a:blip r:embed="rId3" cstate="print"/>
           <a:stretch>
             <a:fillRect/>
           </a:stretch>
@@ -7149,7 +8045,7 @@
           <p:nvPr/>
         </p:nvPicPr>
         <p:blipFill>
-          <a:blip r:embed="rId3"/>
+          <a:blip r:embed="rId4"/>
           <a:stretch>
             <a:fillRect/>
           </a:stretch>
@@ -7234,7 +8130,7 @@
           <p:nvPr/>
         </p:nvPicPr>
         <p:blipFill>
-          <a:blip r:embed="rId2" cstate="print"/>
+          <a:blip r:embed="rId3" cstate="print"/>
           <a:stretch>
             <a:fillRect/>
           </a:stretch>
@@ -7258,7 +8154,7 @@
           <p:nvPr/>
         </p:nvPicPr>
         <p:blipFill>
-          <a:blip r:embed="rId3"/>
+          <a:blip r:embed="rId4"/>
           <a:stretch>
             <a:fillRect/>
           </a:stretch>
@@ -7343,7 +8239,7 @@
           <p:nvPr/>
         </p:nvPicPr>
         <p:blipFill>
-          <a:blip r:embed="rId2" cstate="print"/>
+          <a:blip r:embed="rId3" cstate="print"/>
           <a:stretch>
             <a:fillRect/>
           </a:stretch>
@@ -7367,7 +8263,7 @@
           <p:nvPr/>
         </p:nvPicPr>
         <p:blipFill>
-          <a:blip r:embed="rId3"/>
+          <a:blip r:embed="rId4"/>
           <a:stretch>
             <a:fillRect/>
           </a:stretch>
@@ -7452,7 +8348,7 @@
           <p:nvPr/>
         </p:nvPicPr>
         <p:blipFill>
-          <a:blip r:embed="rId2" cstate="print"/>
+          <a:blip r:embed="rId3" cstate="print"/>
           <a:stretch>
             <a:fillRect/>
           </a:stretch>
@@ -7476,7 +8372,7 @@
           <p:nvPr/>
         </p:nvPicPr>
         <p:blipFill>
-          <a:blip r:embed="rId3"/>
+          <a:blip r:embed="rId4"/>
           <a:stretch>
             <a:fillRect/>
           </a:stretch>
